--- a/images/theory_analysis/AWS_DynamoDB/AWS_DynamoDB.pptx
+++ b/images/theory_analysis/AWS_DynamoDB/AWS_DynamoDB.pptx
@@ -216,7 +216,7 @@
           <a:p>
             <a:fld id="{6CD5550B-26C4-49A9-A5BA-636EF7BE6CE9}" type="datetimeFigureOut">
               <a:rPr lang="ko-KR" altLang="en-US" smtClean="0"/>
-              <a:t>2022-12-25</a:t>
+              <a:t>2022-12-31</a:t>
             </a:fld>
             <a:endParaRPr lang="ko-KR" altLang="en-US"/>
           </a:p>
@@ -914,7 +914,7 @@
           <a:p>
             <a:fld id="{FB30EDBD-1C2D-4C1E-B459-B60219FAB484}" type="datetimeFigureOut">
               <a:rPr lang="ko-KR" altLang="en-US" smtClean="0"/>
-              <a:t>2022-12-25</a:t>
+              <a:t>2022-12-31</a:t>
             </a:fld>
             <a:endParaRPr lang="ko-KR" altLang="en-US"/>
           </a:p>
@@ -1077,7 +1077,7 @@
           <a:p>
             <a:fld id="{FB30EDBD-1C2D-4C1E-B459-B60219FAB484}" type="datetimeFigureOut">
               <a:rPr lang="ko-KR" altLang="en-US" smtClean="0"/>
-              <a:t>2022-12-25</a:t>
+              <a:t>2022-12-31</a:t>
             </a:fld>
             <a:endParaRPr lang="ko-KR" altLang="en-US"/>
           </a:p>
@@ -1250,7 +1250,7 @@
           <a:p>
             <a:fld id="{FB30EDBD-1C2D-4C1E-B459-B60219FAB484}" type="datetimeFigureOut">
               <a:rPr lang="ko-KR" altLang="en-US" smtClean="0"/>
-              <a:t>2022-12-25</a:t>
+              <a:t>2022-12-31</a:t>
             </a:fld>
             <a:endParaRPr lang="ko-KR" altLang="en-US"/>
           </a:p>
@@ -1413,7 +1413,7 @@
           <a:p>
             <a:fld id="{FB30EDBD-1C2D-4C1E-B459-B60219FAB484}" type="datetimeFigureOut">
               <a:rPr lang="ko-KR" altLang="en-US" smtClean="0"/>
-              <a:t>2022-12-25</a:t>
+              <a:t>2022-12-31</a:t>
             </a:fld>
             <a:endParaRPr lang="ko-KR" altLang="en-US"/>
           </a:p>
@@ -1653,7 +1653,7 @@
           <a:p>
             <a:fld id="{FB30EDBD-1C2D-4C1E-B459-B60219FAB484}" type="datetimeFigureOut">
               <a:rPr lang="ko-KR" altLang="en-US" smtClean="0"/>
-              <a:t>2022-12-25</a:t>
+              <a:t>2022-12-31</a:t>
             </a:fld>
             <a:endParaRPr lang="ko-KR" altLang="en-US"/>
           </a:p>
@@ -1933,7 +1933,7 @@
           <a:p>
             <a:fld id="{FB30EDBD-1C2D-4C1E-B459-B60219FAB484}" type="datetimeFigureOut">
               <a:rPr lang="ko-KR" altLang="en-US" smtClean="0"/>
-              <a:t>2022-12-25</a:t>
+              <a:t>2022-12-31</a:t>
             </a:fld>
             <a:endParaRPr lang="ko-KR" altLang="en-US"/>
           </a:p>
@@ -2347,7 +2347,7 @@
           <a:p>
             <a:fld id="{FB30EDBD-1C2D-4C1E-B459-B60219FAB484}" type="datetimeFigureOut">
               <a:rPr lang="ko-KR" altLang="en-US" smtClean="0"/>
-              <a:t>2022-12-25</a:t>
+              <a:t>2022-12-31</a:t>
             </a:fld>
             <a:endParaRPr lang="ko-KR" altLang="en-US"/>
           </a:p>
@@ -2459,7 +2459,7 @@
           <a:p>
             <a:fld id="{FB30EDBD-1C2D-4C1E-B459-B60219FAB484}" type="datetimeFigureOut">
               <a:rPr lang="ko-KR" altLang="en-US" smtClean="0"/>
-              <a:t>2022-12-25</a:t>
+              <a:t>2022-12-31</a:t>
             </a:fld>
             <a:endParaRPr lang="ko-KR" altLang="en-US"/>
           </a:p>
@@ -2549,7 +2549,7 @@
           <a:p>
             <a:fld id="{FB30EDBD-1C2D-4C1E-B459-B60219FAB484}" type="datetimeFigureOut">
               <a:rPr lang="ko-KR" altLang="en-US" smtClean="0"/>
-              <a:t>2022-12-25</a:t>
+              <a:t>2022-12-31</a:t>
             </a:fld>
             <a:endParaRPr lang="ko-KR" altLang="en-US"/>
           </a:p>
@@ -2819,7 +2819,7 @@
           <a:p>
             <a:fld id="{FB30EDBD-1C2D-4C1E-B459-B60219FAB484}" type="datetimeFigureOut">
               <a:rPr lang="ko-KR" altLang="en-US" smtClean="0"/>
-              <a:t>2022-12-25</a:t>
+              <a:t>2022-12-31</a:t>
             </a:fld>
             <a:endParaRPr lang="ko-KR" altLang="en-US"/>
           </a:p>
@@ -3066,7 +3066,7 @@
           <a:p>
             <a:fld id="{FB30EDBD-1C2D-4C1E-B459-B60219FAB484}" type="datetimeFigureOut">
               <a:rPr lang="ko-KR" altLang="en-US" smtClean="0"/>
-              <a:t>2022-12-25</a:t>
+              <a:t>2022-12-31</a:t>
             </a:fld>
             <a:endParaRPr lang="ko-KR" altLang="en-US"/>
           </a:p>
@@ -3272,7 +3272,7 @@
           <a:p>
             <a:fld id="{FB30EDBD-1C2D-4C1E-B459-B60219FAB484}" type="datetimeFigureOut">
               <a:rPr lang="ko-KR" altLang="en-US" smtClean="0"/>
-              <a:t>2022-12-25</a:t>
+              <a:t>2022-12-31</a:t>
             </a:fld>
             <a:endParaRPr lang="ko-KR" altLang="en-US"/>
           </a:p>
@@ -3687,14 +3687,14 @@
           <p:nvPr>
             <p:extLst>
               <p:ext uri="{D42A27DB-BD31-4B8C-83A1-F6EECF244321}">
-                <p14:modId xmlns:p14="http://schemas.microsoft.com/office/powerpoint/2010/main" val="3702468241"/>
+                <p14:modId xmlns:p14="http://schemas.microsoft.com/office/powerpoint/2010/main" val="1642378938"/>
               </p:ext>
             </p:extLst>
           </p:nvPr>
         </p:nvGraphicFramePr>
         <p:xfrm>
-          <a:off x="560922" y="915566"/>
-          <a:ext cx="7863840" cy="3901440"/>
+          <a:off x="971600" y="915566"/>
+          <a:ext cx="7863840" cy="4053840"/>
         </p:xfrm>
         <a:graphic>
           <a:graphicData uri="http://schemas.openxmlformats.org/drawingml/2006/table">
@@ -3836,6 +3836,13 @@
                         <a:t>Partition Key</a:t>
                       </a:r>
                     </a:p>
+                    <a:p>
+                      <a:pPr algn="ctr"/>
+                      <a:r>
+                        <a:rPr lang="en-US" sz="1000" b="0"/>
+                        <a:t>PK</a:t>
+                      </a:r>
+                    </a:p>
                   </a:txBody>
                   <a:tcPr anchor="ctr"/>
                 </a:tc>
@@ -3848,6 +3855,13 @@
                       <a:r>
                         <a:rPr lang="en-US" sz="1000" b="1"/>
                         <a:t>Sort Key</a:t>
+                      </a:r>
+                    </a:p>
+                    <a:p>
+                      <a:pPr algn="ctr"/>
+                      <a:r>
+                        <a:rPr lang="en-US" sz="1000" b="0"/>
+                        <a:t>SK</a:t>
                       </a:r>
                     </a:p>
                   </a:txBody>
@@ -5314,6 +5328,90 @@
           </a:graphicData>
         </a:graphic>
       </p:graphicFrame>
+      <p:sp>
+        <p:nvSpPr>
+          <p:cNvPr id="4" name="Left Brace 3">
+            <a:extLst>
+              <a:ext uri="{FF2B5EF4-FFF2-40B4-BE49-F238E27FC236}">
+                <a16:creationId xmlns:a16="http://schemas.microsoft.com/office/drawing/2014/main" id="{ECABCE02-3F85-346D-9FBE-1F5DDC4606F0}"/>
+              </a:ext>
+            </a:extLst>
+          </p:cNvPr>
+          <p:cNvSpPr/>
+          <p:nvPr/>
+        </p:nvSpPr>
+        <p:spPr>
+          <a:xfrm>
+            <a:off x="683568" y="1563638"/>
+            <a:ext cx="216024" cy="3405768"/>
+          </a:xfrm>
+          <a:prstGeom prst="leftBrace">
+            <a:avLst/>
+          </a:prstGeom>
+          <a:ln>
+            <a:solidFill>
+              <a:schemeClr val="tx1"/>
+            </a:solidFill>
+          </a:ln>
+        </p:spPr>
+        <p:style>
+          <a:lnRef idx="1">
+            <a:schemeClr val="accent1"/>
+          </a:lnRef>
+          <a:fillRef idx="0">
+            <a:schemeClr val="accent1"/>
+          </a:fillRef>
+          <a:effectRef idx="0">
+            <a:schemeClr val="accent1"/>
+          </a:effectRef>
+          <a:fontRef idx="minor">
+            <a:schemeClr val="tx1"/>
+          </a:fontRef>
+        </p:style>
+        <p:txBody>
+          <a:bodyPr rtlCol="0" anchor="ctr"/>
+          <a:lstStyle/>
+          <a:p>
+            <a:pPr algn="ctr"/>
+            <a:endParaRPr lang="en-US"/>
+          </a:p>
+        </p:txBody>
+      </p:sp>
+      <p:sp>
+        <p:nvSpPr>
+          <p:cNvPr id="5" name="TextBox 4">
+            <a:extLst>
+              <a:ext uri="{FF2B5EF4-FFF2-40B4-BE49-F238E27FC236}">
+                <a16:creationId xmlns:a16="http://schemas.microsoft.com/office/drawing/2014/main" id="{9BB4AF86-FD4A-5725-22A5-85C776BB3B18}"/>
+              </a:ext>
+            </a:extLst>
+          </p:cNvPr>
+          <p:cNvSpPr txBox="1"/>
+          <p:nvPr/>
+        </p:nvSpPr>
+        <p:spPr>
+          <a:xfrm>
+            <a:off x="133164" y="3121779"/>
+            <a:ext cx="648072" cy="276999"/>
+          </a:xfrm>
+          <a:prstGeom prst="rect">
+            <a:avLst/>
+          </a:prstGeom>
+          <a:noFill/>
+        </p:spPr>
+        <p:txBody>
+          <a:bodyPr wrap="square" rtlCol="0">
+            <a:spAutoFit/>
+          </a:bodyPr>
+          <a:lstStyle/>
+          <a:p>
+            <a:r>
+              <a:rPr lang="en-US" sz="1200" b="1"/>
+              <a:t>Items</a:t>
+            </a:r>
+          </a:p>
+        </p:txBody>
+      </p:sp>
     </p:spTree>
     <p:extLst>
       <p:ext uri="{BB962C8B-B14F-4D97-AF65-F5344CB8AC3E}">
@@ -5389,14 +5487,14 @@
           <p:nvPr>
             <p:extLst>
               <p:ext uri="{D42A27DB-BD31-4B8C-83A1-F6EECF244321}">
-                <p14:modId xmlns:p14="http://schemas.microsoft.com/office/powerpoint/2010/main" val="1178273375"/>
+                <p14:modId xmlns:p14="http://schemas.microsoft.com/office/powerpoint/2010/main" val="203042379"/>
               </p:ext>
             </p:extLst>
           </p:nvPr>
         </p:nvGraphicFramePr>
         <p:xfrm>
           <a:off x="1259632" y="915566"/>
-          <a:ext cx="6777180" cy="3901440"/>
+          <a:ext cx="6777180" cy="4053840"/>
         </p:xfrm>
         <a:graphic>
           <a:graphicData uri="http://schemas.openxmlformats.org/drawingml/2006/table">
@@ -5523,6 +5621,13 @@
                         <a:t>Partition Key</a:t>
                       </a:r>
                     </a:p>
+                    <a:p>
+                      <a:pPr algn="ctr"/>
+                      <a:r>
+                        <a:rPr lang="en-US" sz="1000" b="0"/>
+                        <a:t>PK</a:t>
+                      </a:r>
+                    </a:p>
                   </a:txBody>
                   <a:tcPr anchor="ctr"/>
                 </a:tc>
@@ -5535,6 +5640,13 @@
                       <a:r>
                         <a:rPr lang="en-US" sz="1000" b="1"/>
                         <a:t>Sort Key</a:t>
+                      </a:r>
+                    </a:p>
+                    <a:p>
+                      <a:pPr algn="ctr"/>
+                      <a:r>
+                        <a:rPr lang="en-US" sz="1000" b="0"/>
+                        <a:t>LSI_SK</a:t>
                       </a:r>
                     </a:p>
                   </a:txBody>
@@ -5611,7 +5723,7 @@
                       <a:pPr algn="l"/>
                       <a:r>
                         <a:rPr lang="en-US" sz="1000"/>
-                        <a:t>Sorted Key</a:t>
+                        <a:t>SK</a:t>
                       </a:r>
                     </a:p>
                   </a:txBody>
@@ -5809,7 +5921,7 @@
                       </a:pPr>
                       <a:r>
                         <a:rPr lang="en-US" sz="1000"/>
-                        <a:t>Sorted Key</a:t>
+                        <a:t>SK</a:t>
                       </a:r>
                     </a:p>
                   </a:txBody>
@@ -6017,7 +6129,7 @@
                       </a:pPr>
                       <a:r>
                         <a:rPr lang="en-US" sz="1000"/>
-                        <a:t>Sorted Key</a:t>
+                        <a:t>SK</a:t>
                       </a:r>
                     </a:p>
                   </a:txBody>
@@ -6226,7 +6338,7 @@
                       </a:pPr>
                       <a:r>
                         <a:rPr lang="en-US" sz="1000"/>
-                        <a:t>Sorted Key</a:t>
+                        <a:t>SK</a:t>
                       </a:r>
                     </a:p>
                   </a:txBody>
@@ -6405,7 +6517,7 @@
                       </a:pPr>
                       <a:r>
                         <a:rPr lang="en-US" sz="1000"/>
-                        <a:t>Sorted Key</a:t>
+                        <a:t>SK</a:t>
                       </a:r>
                     </a:p>
                   </a:txBody>
@@ -6599,7 +6711,7 @@
                       </a:pPr>
                       <a:r>
                         <a:rPr lang="en-US" sz="1000"/>
-                        <a:t>Sorted Key</a:t>
+                        <a:t>SK</a:t>
                       </a:r>
                     </a:p>
                   </a:txBody>
@@ -6782,7 +6894,7 @@
                       </a:pPr>
                       <a:r>
                         <a:rPr lang="en-US" sz="1000"/>
-                        <a:t>Sorted Key</a:t>
+                        <a:t>SK</a:t>
                       </a:r>
                     </a:p>
                   </a:txBody>
@@ -6993,14 +7105,14 @@
           <p:nvPr>
             <p:extLst>
               <p:ext uri="{D42A27DB-BD31-4B8C-83A1-F6EECF244321}">
-                <p14:modId xmlns:p14="http://schemas.microsoft.com/office/powerpoint/2010/main" val="1149346786"/>
+                <p14:modId xmlns:p14="http://schemas.microsoft.com/office/powerpoint/2010/main" val="4022952709"/>
               </p:ext>
             </p:extLst>
           </p:nvPr>
         </p:nvGraphicFramePr>
         <p:xfrm>
           <a:off x="1259632" y="915566"/>
-          <a:ext cx="6400800" cy="2438400"/>
+          <a:ext cx="6400800" cy="2590800"/>
         </p:xfrm>
         <a:graphic>
           <a:graphicData uri="http://schemas.openxmlformats.org/drawingml/2006/table">
@@ -7127,6 +7239,13 @@
                         <a:t>Partition Key</a:t>
                       </a:r>
                     </a:p>
+                    <a:p>
+                      <a:pPr algn="ctr"/>
+                      <a:r>
+                        <a:rPr lang="en-US" sz="1000" b="0"/>
+                        <a:t>GSI_PK</a:t>
+                      </a:r>
+                    </a:p>
                   </a:txBody>
                   <a:tcPr anchor="ctr"/>
                 </a:tc>
@@ -7139,6 +7258,13 @@
                       <a:r>
                         <a:rPr lang="en-US" sz="1000" b="1"/>
                         <a:t>Sort Key</a:t>
+                      </a:r>
+                    </a:p>
+                    <a:p>
+                      <a:pPr algn="ctr"/>
+                      <a:r>
+                        <a:rPr lang="en-US" sz="1000" b="0"/>
+                        <a:t>GSI_SK</a:t>
                       </a:r>
                     </a:p>
                   </a:txBody>
@@ -7215,7 +7341,7 @@
                       <a:pPr algn="l"/>
                       <a:r>
                         <a:rPr lang="en-US" sz="1000"/>
-                        <a:t>Partition Key</a:t>
+                        <a:t>PK</a:t>
                       </a:r>
                     </a:p>
                   </a:txBody>
@@ -7235,7 +7361,7 @@
                       <a:pPr algn="l"/>
                       <a:r>
                         <a:rPr lang="en-US" sz="1000"/>
-                        <a:t>Sorted Key</a:t>
+                        <a:t>SK</a:t>
                       </a:r>
                     </a:p>
                   </a:txBody>
@@ -7455,7 +7581,7 @@
                       <a:pPr algn="l"/>
                       <a:r>
                         <a:rPr lang="en-US" sz="1000"/>
-                        <a:t>Partition Key</a:t>
+                        <a:t>PK</a:t>
                       </a:r>
                     </a:p>
                   </a:txBody>
@@ -7491,7 +7617,7 @@
                       </a:pPr>
                       <a:r>
                         <a:rPr lang="en-US" sz="1000"/>
-                        <a:t>Sorted Key</a:t>
+                        <a:t>SK</a:t>
                       </a:r>
                     </a:p>
                   </a:txBody>
@@ -7681,7 +7807,7 @@
                       <a:pPr algn="l"/>
                       <a:r>
                         <a:rPr lang="en-US" sz="1000"/>
-                        <a:t>Partition Key</a:t>
+                        <a:t>PK</a:t>
                       </a:r>
                     </a:p>
                   </a:txBody>
@@ -7717,7 +7843,7 @@
                       </a:pPr>
                       <a:r>
                         <a:rPr lang="en-US" sz="1000"/>
-                        <a:t>Sorted Key</a:t>
+                        <a:t>SK</a:t>
                       </a:r>
                     </a:p>
                   </a:txBody>
@@ -7904,7 +8030,7 @@
                       <a:pPr algn="l"/>
                       <a:r>
                         <a:rPr lang="en-US" sz="1000"/>
-                        <a:t>Partition Key</a:t>
+                        <a:t>PK</a:t>
                       </a:r>
                     </a:p>
                   </a:txBody>
@@ -7940,7 +8066,7 @@
                       </a:pPr>
                       <a:r>
                         <a:rPr lang="en-US" sz="1000"/>
-                        <a:t>Sorted Key</a:t>
+                        <a:t>SK</a:t>
                       </a:r>
                     </a:p>
                   </a:txBody>
